--- a/cover_illustration.pptx
+++ b/cover_illustration.pptx
@@ -108,6 +108,11 @@
       </a:defRPr>
     </a:lvl9pPr>
   </p:defaultTextStyle>
+  <p:extLst>
+    <p:ext uri="{EFAFB233-063F-42B5-8137-9DF3F51BA10A}">
+      <p15:sldGuideLst xmlns:p15="http://schemas.microsoft.com/office/powerpoint/2012/main"/>
+    </p:ext>
+  </p:extLst>
 </p:presentation>
 </file>
 
@@ -193,7 +198,7 @@
           <a:p>
             <a:fld id="{8D33F4BB-D054-A247-B15E-B5589BFBB261}" type="datetimeFigureOut">
               <a:rPr lang="en-US" smtClean="0"/>
-              <a:t>2/10/20</a:t>
+              <a:t>2/15/20</a:t>
             </a:fld>
             <a:endParaRPr lang="en-US"/>
           </a:p>
@@ -554,6 +559,90 @@
 </p:notes>
 </file>
 
+<file path=ppt/notesSlides/notesSlide2.xml><?xml version="1.0" encoding="utf-8"?>
+<p:notes xmlns:a="http://schemas.openxmlformats.org/drawingml/2006/main" xmlns:r="http://schemas.openxmlformats.org/officeDocument/2006/relationships" xmlns:p="http://schemas.openxmlformats.org/presentationml/2006/main">
+  <p:cSld>
+    <p:spTree>
+      <p:nvGrpSpPr>
+        <p:cNvPr id="1" name=""/>
+        <p:cNvGrpSpPr/>
+        <p:nvPr/>
+      </p:nvGrpSpPr>
+      <p:grpSpPr>
+        <a:xfrm>
+          <a:off x="0" y="0"/>
+          <a:ext cx="0" cy="0"/>
+          <a:chOff x="0" y="0"/>
+          <a:chExt cx="0" cy="0"/>
+        </a:xfrm>
+      </p:grpSpPr>
+      <p:sp>
+        <p:nvSpPr>
+          <p:cNvPr id="2" name="スライド イメージ プレースホルダー 1"/>
+          <p:cNvSpPr>
+            <a:spLocks noGrp="1" noRot="1" noChangeAspect="1"/>
+          </p:cNvSpPr>
+          <p:nvPr>
+            <p:ph type="sldImg"/>
+          </p:nvPr>
+        </p:nvSpPr>
+        <p:spPr/>
+      </p:sp>
+      <p:sp>
+        <p:nvSpPr>
+          <p:cNvPr id="3" name="ノート プレースホルダー 2"/>
+          <p:cNvSpPr>
+            <a:spLocks noGrp="1"/>
+          </p:cNvSpPr>
+          <p:nvPr>
+            <p:ph type="body" idx="1"/>
+          </p:nvPr>
+        </p:nvSpPr>
+        <p:spPr/>
+        <p:txBody>
+          <a:bodyPr/>
+          <a:lstStyle/>
+          <a:p>
+            <a:endParaRPr kumimoji="1" lang="ja-JP" altLang="en-US"/>
+          </a:p>
+        </p:txBody>
+      </p:sp>
+      <p:sp>
+        <p:nvSpPr>
+          <p:cNvPr id="4" name="スライド番号プレースホルダー 3"/>
+          <p:cNvSpPr>
+            <a:spLocks noGrp="1"/>
+          </p:cNvSpPr>
+          <p:nvPr>
+            <p:ph type="sldNum" sz="quarter" idx="5"/>
+          </p:nvPr>
+        </p:nvSpPr>
+        <p:spPr/>
+        <p:txBody>
+          <a:bodyPr/>
+          <a:lstStyle/>
+          <a:p>
+            <a:fld id="{CFA1C34E-B21E-1E49-8486-FB9153B44F55}" type="slidenum">
+              <a:rPr lang="en-US" smtClean="0"/>
+              <a:t>2</a:t>
+            </a:fld>
+            <a:endParaRPr lang="en-US"/>
+          </a:p>
+        </p:txBody>
+      </p:sp>
+    </p:spTree>
+    <p:extLst>
+      <p:ext uri="{BB962C8B-B14F-4D97-AF65-F5344CB8AC3E}">
+        <p14:creationId xmlns:p14="http://schemas.microsoft.com/office/powerpoint/2010/main" val="3546007219"/>
+      </p:ext>
+    </p:extLst>
+  </p:cSld>
+  <p:clrMapOvr>
+    <a:masterClrMapping/>
+  </p:clrMapOvr>
+</p:notes>
+</file>
+
 <file path=ppt/slideLayouts/slideLayout1.xml><?xml version="1.0" encoding="utf-8"?>
 <p:sldLayout xmlns:a="http://schemas.openxmlformats.org/drawingml/2006/main" xmlns:r="http://schemas.openxmlformats.org/officeDocument/2006/relationships" xmlns:p="http://schemas.openxmlformats.org/presentationml/2006/main" type="title" preserve="1">
   <p:cSld name="Title Slide">
@@ -685,7 +774,7 @@
           <a:p>
             <a:fld id="{61A6B0AA-C652-424F-88AA-28E84BC0BE75}" type="datetimeFigureOut">
               <a:rPr lang="en-US" smtClean="0"/>
-              <a:t>2/10/20</a:t>
+              <a:t>2/15/20</a:t>
             </a:fld>
             <a:endParaRPr lang="en-US"/>
           </a:p>
@@ -855,7 +944,7 @@
           <a:p>
             <a:fld id="{61A6B0AA-C652-424F-88AA-28E84BC0BE75}" type="datetimeFigureOut">
               <a:rPr lang="en-US" smtClean="0"/>
-              <a:t>2/10/20</a:t>
+              <a:t>2/15/20</a:t>
             </a:fld>
             <a:endParaRPr lang="en-US"/>
           </a:p>
@@ -1035,7 +1124,7 @@
           <a:p>
             <a:fld id="{61A6B0AA-C652-424F-88AA-28E84BC0BE75}" type="datetimeFigureOut">
               <a:rPr lang="en-US" smtClean="0"/>
-              <a:t>2/10/20</a:t>
+              <a:t>2/15/20</a:t>
             </a:fld>
             <a:endParaRPr lang="en-US"/>
           </a:p>
@@ -1205,7 +1294,7 @@
           <a:p>
             <a:fld id="{61A6B0AA-C652-424F-88AA-28E84BC0BE75}" type="datetimeFigureOut">
               <a:rPr lang="en-US" smtClean="0"/>
-              <a:t>2/10/20</a:t>
+              <a:t>2/15/20</a:t>
             </a:fld>
             <a:endParaRPr lang="en-US"/>
           </a:p>
@@ -1449,7 +1538,7 @@
           <a:p>
             <a:fld id="{61A6B0AA-C652-424F-88AA-28E84BC0BE75}" type="datetimeFigureOut">
               <a:rPr lang="en-US" smtClean="0"/>
-              <a:t>2/10/20</a:t>
+              <a:t>2/15/20</a:t>
             </a:fld>
             <a:endParaRPr lang="en-US"/>
           </a:p>
@@ -1681,7 +1770,7 @@
           <a:p>
             <a:fld id="{61A6B0AA-C652-424F-88AA-28E84BC0BE75}" type="datetimeFigureOut">
               <a:rPr lang="en-US" smtClean="0"/>
-              <a:t>2/10/20</a:t>
+              <a:t>2/15/20</a:t>
             </a:fld>
             <a:endParaRPr lang="en-US"/>
           </a:p>
@@ -2048,7 +2137,7 @@
           <a:p>
             <a:fld id="{61A6B0AA-C652-424F-88AA-28E84BC0BE75}" type="datetimeFigureOut">
               <a:rPr lang="en-US" smtClean="0"/>
-              <a:t>2/10/20</a:t>
+              <a:t>2/15/20</a:t>
             </a:fld>
             <a:endParaRPr lang="en-US"/>
           </a:p>
@@ -2166,7 +2255,7 @@
           <a:p>
             <a:fld id="{61A6B0AA-C652-424F-88AA-28E84BC0BE75}" type="datetimeFigureOut">
               <a:rPr lang="en-US" smtClean="0"/>
-              <a:t>2/10/20</a:t>
+              <a:t>2/15/20</a:t>
             </a:fld>
             <a:endParaRPr lang="en-US"/>
           </a:p>
@@ -2261,7 +2350,7 @@
           <a:p>
             <a:fld id="{61A6B0AA-C652-424F-88AA-28E84BC0BE75}" type="datetimeFigureOut">
               <a:rPr lang="en-US" smtClean="0"/>
-              <a:t>2/10/20</a:t>
+              <a:t>2/15/20</a:t>
             </a:fld>
             <a:endParaRPr lang="en-US"/>
           </a:p>
@@ -2538,7 +2627,7 @@
           <a:p>
             <a:fld id="{61A6B0AA-C652-424F-88AA-28E84BC0BE75}" type="datetimeFigureOut">
               <a:rPr lang="en-US" smtClean="0"/>
-              <a:t>2/10/20</a:t>
+              <a:t>2/15/20</a:t>
             </a:fld>
             <a:endParaRPr lang="en-US"/>
           </a:p>
@@ -2795,7 +2884,7 @@
           <a:p>
             <a:fld id="{61A6B0AA-C652-424F-88AA-28E84BC0BE75}" type="datetimeFigureOut">
               <a:rPr lang="en-US" smtClean="0"/>
-              <a:t>2/10/20</a:t>
+              <a:t>2/15/20</a:t>
             </a:fld>
             <a:endParaRPr lang="en-US"/>
           </a:p>
@@ -3008,7 +3097,7 @@
           <a:p>
             <a:fld id="{61A6B0AA-C652-424F-88AA-28E84BC0BE75}" type="datetimeFigureOut">
               <a:rPr lang="en-US" smtClean="0"/>
-              <a:t>2/10/20</a:t>
+              <a:t>2/15/20</a:t>
             </a:fld>
             <a:endParaRPr lang="en-US"/>
           </a:p>
@@ -3427,8 +3516,8 @@
         </p:nvSpPr>
         <p:spPr>
           <a:xfrm>
-            <a:off x="0" y="0"/>
-            <a:ext cx="6858000" cy="9906000"/>
+            <a:off x="-47739" y="-15766"/>
+            <a:ext cx="6905739" cy="9921766"/>
           </a:xfrm>
           <a:prstGeom prst="rect">
             <a:avLst/>
@@ -3503,10 +3592,10 @@
       </p:pic>
       <p:sp>
         <p:nvSpPr>
-          <p:cNvPr id="7" name="TextBox 6">
+          <p:cNvPr id="10" name="TextBox 6">
             <a:extLst>
               <a:ext uri="{FF2B5EF4-FFF2-40B4-BE49-F238E27FC236}">
-                <a16:creationId xmlns:a16="http://schemas.microsoft.com/office/drawing/2014/main" id="{BB43B843-5442-F441-83C7-45E92A9373CC}"/>
+                <a16:creationId xmlns:a16="http://schemas.microsoft.com/office/drawing/2014/main" id="{64AE4F28-66D2-0548-944E-6605100BCEC2}"/>
               </a:ext>
             </a:extLst>
           </p:cNvPr>
@@ -3515,8 +3604,8 @@
         </p:nvSpPr>
         <p:spPr>
           <a:xfrm>
-            <a:off x="155882" y="136297"/>
-            <a:ext cx="6546236" cy="9941183"/>
+            <a:off x="257175" y="0"/>
+            <a:ext cx="6343650" cy="11418510"/>
           </a:xfrm>
           <a:prstGeom prst="rect">
             <a:avLst/>
@@ -3530,18 +3619,81 @@
           <a:lstStyle/>
           <a:p>
             <a:r>
-              <a:rPr lang="en-US" sz="2000" i="1" dirty="0">
+              <a:rPr lang="en-US" altLang="ja-JP" sz="2300" i="1" dirty="0">
                 <a:solidFill>
-                  <a:schemeClr val="tx1">
-                    <a:lumMod val="75000"/>
-                    <a:lumOff val="25000"/>
+                  <a:schemeClr val="bg2">
+                    <a:lumMod val="25000"/>
                   </a:schemeClr>
                 </a:solidFill>
-                <a:latin typeface="YuKyokasho Medium" panose="02000500000000000000" pitchFamily="2" charset="-128"/>
-                <a:ea typeface="YuKyokasho Medium" panose="02000500000000000000" pitchFamily="2" charset="-128"/>
-                <a:cs typeface="Myrica M Book" panose="020B0509020203020207" pitchFamily="49" charset="-128"/>
+                <a:ea typeface="+mj-ea"/>
               </a:rPr>
-              <a:t>the noise  and the noise and the noise and the noise  and the noise  and the noise  and the noise  and the noise  and the noise  and the noise  and the noise  and the noise  and the noise and the signal the noise  and the noise  and the noise  and the noise  and the noise  and the noise  and the noise  and the noise  and the noise  and the noise  and the noise  and the noise  and the noise  and the noise  and the noise  and the noise  and the noise  and the noise  and the noise  and the noise  and the noise  and the noise  and the noise  and the noise  and the noise  and the noise  and the noise  and the noise  and the noise  and the noise  and the noise  and the noise  and the noise  and the noise  and the noise  and the noise  and the noise  and the noise  and the noise  and the noise  and the noise  and the noise  and the noise  and the noise  and the noise  and the noise  and the noise  and the noise  and the noise  and the noise  and the noise  and the noise  and the noise  and the noise  and the noise  and the noise  and the noise  and the noise  and the noise  and the noise  and the noise  and the noise  and the noise  and the noise  and the noise  and the noise  and the noise  and the noise  and the noise  and the noise  and the noise  and the noise the signal and the noise  and the noise  and the noise  and the noise  and the noise  and the noise  and the noise  and the noise  and the noise  and the noise  and the noise  and the noise  and the noise  and the noise  and the noise  and the noise  and the noise  and the noise  and the noise  and the noise  and the noise  and the noise  and the noise  and the noise  and the noise  and the noise  and the noise  and the noise  and the noise</a:t>
+              <a:t>the noise and the noise and the noise and the noise and the noise and the noise and the noise and the noise and the noise and the noise and the noise and the noise and the noise and the signal the noise and the noise and the noise and the noise and the noise and the noise and the noise and the noise and the noise and the noise and the noise and the noise and the noise and the </a:t>
+            </a:r>
+            <a:r>
+              <a:rPr lang="en-US" altLang="ja-JP" sz="2300" i="1" dirty="0">
+                <a:solidFill>
+                  <a:schemeClr val="bg2">
+                    <a:lumMod val="75000"/>
+                  </a:schemeClr>
+                </a:solidFill>
+                <a:ea typeface="+mj-ea"/>
+              </a:rPr>
+              <a:t>signal</a:t>
+            </a:r>
+            <a:r>
+              <a:rPr lang="en-US" altLang="ja-JP" sz="2300" i="1" dirty="0">
+                <a:solidFill>
+                  <a:schemeClr val="bg2">
+                    <a:lumMod val="25000"/>
+                  </a:schemeClr>
+                </a:solidFill>
+                <a:ea typeface="+mj-ea"/>
+              </a:rPr>
+              <a:t> and the noise and the noise and the noise and the noise and the noise and the noise and the noise and the noise and the noise and the noise and the noise and the noise and the noise and the noise and the noise and the noise and the noise and the noise and the noise and the noise and the noise and the noise and the noise and the noise and the noise and the noise and the noise and the noise and the noise and the noise and the noise and the noise and the noise and the </a:t>
+            </a:r>
+            <a:r>
+              <a:rPr lang="en-US" altLang="ja-JP" sz="2300" i="1" dirty="0">
+                <a:solidFill>
+                  <a:schemeClr val="bg2">
+                    <a:lumMod val="75000"/>
+                  </a:schemeClr>
+                </a:solidFill>
+                <a:ea typeface="+mj-ea"/>
+              </a:rPr>
+              <a:t>signal</a:t>
+            </a:r>
+            <a:r>
+              <a:rPr lang="en-US" altLang="ja-JP" sz="2300" i="1" dirty="0">
+                <a:solidFill>
+                  <a:schemeClr val="bg2">
+                    <a:lumMod val="25000"/>
+                  </a:schemeClr>
+                </a:solidFill>
+                <a:ea typeface="+mj-ea"/>
+              </a:rPr>
+              <a:t> and the noise and the noise and the noise and the noise and the noise and the noise and the noise and the noise and the noise and the noise and the noise and the noise and the noise and the noise and the noise and the noise and the noise and the noise and the noise and the noise and the noise and the noise and the noise and the noise the </a:t>
+            </a:r>
+            <a:r>
+              <a:rPr lang="en-US" altLang="ja-JP" sz="2300" i="1" dirty="0">
+                <a:solidFill>
+                  <a:schemeClr val="bg2">
+                    <a:lumMod val="75000"/>
+                  </a:schemeClr>
+                </a:solidFill>
+                <a:ea typeface="+mj-ea"/>
+              </a:rPr>
+              <a:t>signal</a:t>
+            </a:r>
+            <a:r>
+              <a:rPr lang="en-US" altLang="ja-JP" sz="2300" i="1" dirty="0">
+                <a:solidFill>
+                  <a:schemeClr val="bg2">
+                    <a:lumMod val="25000"/>
+                  </a:schemeClr>
+                </a:solidFill>
+                <a:ea typeface="+mj-ea"/>
+              </a:rPr>
+              <a:t> and the noise and the noise and the noise and the noise and the noise and the noise and the noise and the noise and the noise and the noise and the noise and the noise and the noise and the noise and the noise and the noise and the noise and the noise and the noise and the noise and the noise and the noise and the noise and the noise and the noise and the noise and the noise and the noise and the noise</a:t>
             </a:r>
           </a:p>
         </p:txBody>
@@ -3705,6 +3857,268 @@
           <a:lstStyle/>
           <a:p>
             <a:endParaRPr lang="en-US"/>
+          </a:p>
+        </p:txBody>
+      </p:sp>
+      <p:sp>
+        <p:nvSpPr>
+          <p:cNvPr id="4" name="TextBox 6">
+            <a:extLst>
+              <a:ext uri="{FF2B5EF4-FFF2-40B4-BE49-F238E27FC236}">
+                <a16:creationId xmlns:a16="http://schemas.microsoft.com/office/drawing/2014/main" id="{D5554AF5-C86E-4F45-AB09-DE6391894071}"/>
+              </a:ext>
+            </a:extLst>
+          </p:cNvPr>
+          <p:cNvSpPr txBox="1"/>
+          <p:nvPr/>
+        </p:nvSpPr>
+        <p:spPr>
+          <a:xfrm>
+            <a:off x="257175" y="0"/>
+            <a:ext cx="6343650" cy="11418510"/>
+          </a:xfrm>
+          <a:prstGeom prst="rect">
+            <a:avLst/>
+          </a:prstGeom>
+          <a:noFill/>
+        </p:spPr>
+        <p:txBody>
+          <a:bodyPr wrap="square" rtlCol="0">
+            <a:spAutoFit/>
+          </a:bodyPr>
+          <a:lstStyle/>
+          <a:p>
+            <a:r>
+              <a:rPr lang="en-US" altLang="ja-JP" sz="2300" i="1" dirty="0">
+                <a:solidFill>
+                  <a:schemeClr val="bg2">
+                    <a:lumMod val="25000"/>
+                  </a:schemeClr>
+                </a:solidFill>
+                <a:ea typeface="+mj-ea"/>
+              </a:rPr>
+              <a:t>the noise and the noise and the noise and the noise and the noise and the noise and the noise and the noise and the noise and the noise and the noise and the noise and the noise and the signal the noise and the noise and the noise and the noise and the noise and the noise and the noise and the noise and the noise and the noise and the noise and the noise and the noise and the </a:t>
+            </a:r>
+            <a:r>
+              <a:rPr lang="en-US" altLang="ja-JP" sz="2300" i="1" dirty="0">
+                <a:solidFill>
+                  <a:schemeClr val="bg2">
+                    <a:lumMod val="75000"/>
+                  </a:schemeClr>
+                </a:solidFill>
+                <a:ea typeface="+mj-ea"/>
+              </a:rPr>
+              <a:t>signal</a:t>
+            </a:r>
+            <a:r>
+              <a:rPr lang="en-US" altLang="ja-JP" sz="2300" i="1" dirty="0">
+                <a:solidFill>
+                  <a:schemeClr val="bg2">
+                    <a:lumMod val="25000"/>
+                  </a:schemeClr>
+                </a:solidFill>
+                <a:ea typeface="+mj-ea"/>
+              </a:rPr>
+              <a:t> and the noise and the noise and the noise and the noise and the noise and the noise and the noise and the noise and the noise and the noise and the noise and the noise and the noise and the noise and the noise and the noise and the noise and the noise and the noise and the noise and the noise and the noise and the noise and the noise and the noise and the noise and the noise and the noise and the noise and the noise and the noise and the noise and the noise and the </a:t>
+            </a:r>
+            <a:r>
+              <a:rPr lang="en-US" altLang="ja-JP" sz="2300" i="1" dirty="0">
+                <a:solidFill>
+                  <a:schemeClr val="bg2">
+                    <a:lumMod val="75000"/>
+                  </a:schemeClr>
+                </a:solidFill>
+                <a:ea typeface="+mj-ea"/>
+              </a:rPr>
+              <a:t>signal</a:t>
+            </a:r>
+            <a:r>
+              <a:rPr lang="en-US" altLang="ja-JP" sz="2300" i="1" dirty="0">
+                <a:solidFill>
+                  <a:schemeClr val="bg2">
+                    <a:lumMod val="25000"/>
+                  </a:schemeClr>
+                </a:solidFill>
+                <a:ea typeface="+mj-ea"/>
+              </a:rPr>
+              <a:t> and the noise and the noise and the noise and the noise and the noise and the noise and the noise and the noise and the noise and the noise and the noise and the noise and the noise and the noise and the noise and the noise and the noise and the noise and the noise and the noise and the noise and the noise and the noise and the noise the </a:t>
+            </a:r>
+            <a:r>
+              <a:rPr lang="en-US" altLang="ja-JP" sz="2300" i="1" dirty="0">
+                <a:solidFill>
+                  <a:schemeClr val="bg2">
+                    <a:lumMod val="75000"/>
+                  </a:schemeClr>
+                </a:solidFill>
+                <a:ea typeface="+mj-ea"/>
+              </a:rPr>
+              <a:t>signal</a:t>
+            </a:r>
+            <a:r>
+              <a:rPr lang="en-US" altLang="ja-JP" sz="2300" i="1" dirty="0">
+                <a:solidFill>
+                  <a:schemeClr val="bg2">
+                    <a:lumMod val="25000"/>
+                  </a:schemeClr>
+                </a:solidFill>
+                <a:ea typeface="+mj-ea"/>
+              </a:rPr>
+              <a:t> and the noise and the noise and the noise and the noise and the noise and the noise and the noise and the noise and the noise and the noise and the noise and the noise and the noise and the noise and the noise and the noise and the noise and the noise and the noise and the noise and the noise and the noise and the noise and the noise and the noise and the noise and the noise and the noise and the noise</a:t>
+            </a:r>
+          </a:p>
+        </p:txBody>
+      </p:sp>
+      <p:sp>
+        <p:nvSpPr>
+          <p:cNvPr id="5" name="Rectangle 5">
+            <a:extLst>
+              <a:ext uri="{FF2B5EF4-FFF2-40B4-BE49-F238E27FC236}">
+                <a16:creationId xmlns:a16="http://schemas.microsoft.com/office/drawing/2014/main" id="{74DA5147-216E-624F-8E9F-C2B2EBF89EB7}"/>
+              </a:ext>
+            </a:extLst>
+          </p:cNvPr>
+          <p:cNvSpPr/>
+          <p:nvPr/>
+        </p:nvSpPr>
+        <p:spPr>
+          <a:xfrm>
+            <a:off x="-47739" y="-15766"/>
+            <a:ext cx="6905739" cy="9921766"/>
+          </a:xfrm>
+          <a:prstGeom prst="rect">
+            <a:avLst/>
+          </a:prstGeom>
+        </p:spPr>
+        <p:style>
+          <a:lnRef idx="2">
+            <a:schemeClr val="dk1">
+              <a:shade val="50000"/>
+            </a:schemeClr>
+          </a:lnRef>
+          <a:fillRef idx="1">
+            <a:schemeClr val="dk1"/>
+          </a:fillRef>
+          <a:effectRef idx="0">
+            <a:schemeClr val="dk1"/>
+          </a:effectRef>
+          <a:fontRef idx="minor">
+            <a:schemeClr val="lt1"/>
+          </a:fontRef>
+        </p:style>
+        <p:txBody>
+          <a:bodyPr rtlCol="0" anchor="ctr"/>
+          <a:lstStyle/>
+          <a:p>
+            <a:pPr algn="ctr"/>
+            <a:endParaRPr lang="en-US" dirty="0"/>
+          </a:p>
+        </p:txBody>
+      </p:sp>
+      <p:sp>
+        <p:nvSpPr>
+          <p:cNvPr id="17" name="TextBox 6">
+            <a:extLst>
+              <a:ext uri="{FF2B5EF4-FFF2-40B4-BE49-F238E27FC236}">
+                <a16:creationId xmlns:a16="http://schemas.microsoft.com/office/drawing/2014/main" id="{A86DC55E-8E45-504B-8FFE-E79181CE970D}"/>
+              </a:ext>
+            </a:extLst>
+          </p:cNvPr>
+          <p:cNvSpPr txBox="1"/>
+          <p:nvPr/>
+        </p:nvSpPr>
+        <p:spPr>
+          <a:xfrm>
+            <a:off x="233305" y="15766"/>
+            <a:ext cx="6343650" cy="11418510"/>
+          </a:xfrm>
+          <a:prstGeom prst="rect">
+            <a:avLst/>
+          </a:prstGeom>
+          <a:noFill/>
+        </p:spPr>
+        <p:txBody>
+          <a:bodyPr wrap="square" rtlCol="0">
+            <a:spAutoFit/>
+          </a:bodyPr>
+          <a:lstStyle/>
+          <a:p>
+            <a:r>
+              <a:rPr lang="en-US" altLang="ja-JP" sz="2300" i="1" dirty="0">
+                <a:solidFill>
+                  <a:schemeClr val="bg2">
+                    <a:lumMod val="25000"/>
+                  </a:schemeClr>
+                </a:solidFill>
+                <a:ea typeface="+mj-ea"/>
+              </a:rPr>
+              <a:t>the noise and the noise and the noise and the noise and the noise and the noise and the noise and the noise and the noise and the noise and the noise and the noise and the noise and the signal the noise and the noise and the noise and the noise and the noise and the noise and the noise and the noise and the noise and the noise and the noise and the noise and the noise and the </a:t>
+            </a:r>
+            <a:r>
+              <a:rPr lang="en-US" altLang="ja-JP" sz="2300" i="1" dirty="0">
+                <a:solidFill>
+                  <a:schemeClr val="bg2">
+                    <a:lumMod val="75000"/>
+                  </a:schemeClr>
+                </a:solidFill>
+                <a:ea typeface="+mj-ea"/>
+              </a:rPr>
+              <a:t>signal</a:t>
+            </a:r>
+            <a:r>
+              <a:rPr lang="en-US" altLang="ja-JP" sz="2300" i="1" dirty="0">
+                <a:solidFill>
+                  <a:schemeClr val="bg2">
+                    <a:lumMod val="25000"/>
+                  </a:schemeClr>
+                </a:solidFill>
+                <a:ea typeface="+mj-ea"/>
+              </a:rPr>
+              <a:t> and the noise and the noise and the noise and the noise and the noise and the noise and the noise and the noise and the noise and the noise and the noise and the noise and the noise and the noise and the noise and the noise and the noise and the noise and the noise and the noise and the noise and the noise and the noise and the noise and the noise and the noise and the noise and the noise and the noise and the noise and the noise and the noise and the noise and the </a:t>
+            </a:r>
+            <a:r>
+              <a:rPr lang="en-US" altLang="ja-JP" sz="2300" i="1" dirty="0">
+                <a:solidFill>
+                  <a:schemeClr val="bg2">
+                    <a:lumMod val="75000"/>
+                  </a:schemeClr>
+                </a:solidFill>
+                <a:ea typeface="+mj-ea"/>
+              </a:rPr>
+              <a:t>signal</a:t>
+            </a:r>
+            <a:r>
+              <a:rPr lang="en-US" altLang="ja-JP" sz="2300" i="1" dirty="0">
+                <a:solidFill>
+                  <a:schemeClr val="bg2">
+                    <a:lumMod val="25000"/>
+                  </a:schemeClr>
+                </a:solidFill>
+                <a:ea typeface="+mj-ea"/>
+              </a:rPr>
+              <a:t> and the noise and the noise and the noise and the noise and the noise and the noise and the noise and the noise and the noise and the noise and the noise and the noise and the noise and the noise and the noise and the noise and the noise and the noise and the noise and the noise and the noise and the noise and the noise and the noise the </a:t>
+            </a:r>
+            <a:r>
+              <a:rPr lang="en-US" altLang="ja-JP" sz="2300" i="1" dirty="0">
+                <a:solidFill>
+                  <a:schemeClr val="bg2">
+                    <a:lumMod val="75000"/>
+                  </a:schemeClr>
+                </a:solidFill>
+                <a:ea typeface="+mj-ea"/>
+              </a:rPr>
+              <a:t>signal</a:t>
+            </a:r>
+            <a:r>
+              <a:rPr lang="en-US" altLang="ja-JP" sz="2300" i="1" dirty="0">
+                <a:solidFill>
+                  <a:schemeClr val="bg2">
+                    <a:lumMod val="25000"/>
+                  </a:schemeClr>
+                </a:solidFill>
+                <a:ea typeface="+mj-ea"/>
+              </a:rPr>
+              <a:t> and the noise and the noise and the noise and the noise and the noise and the noise and the noise and the noise and the noise and the noise and the noise and the noise and the noise and the noise and the noise and the noise and the noise and the noise and the noise and the noise and the noise and the noise and the noise and the noise and the noise and the noise and the noise and the noise and the noise</a:t>
+            </a:r>
           </a:p>
         </p:txBody>
       </p:sp>
